--- a/bonito/仕様書/プレ値・刈り取りツール仕様書.pptx
+++ b/bonito/仕様書/プレ値・刈り取りツール仕様書.pptx
@@ -4,10 +4,14 @@
   <p:sldMasterIdLst>
     <p:sldMasterId id="2147484036" r:id="rId1"/>
   </p:sldMasterIdLst>
+  <p:notesMasterIdLst>
+    <p:notesMasterId r:id="rId6"/>
+  </p:notesMasterIdLst>
   <p:sldIdLst>
     <p:sldId id="256" r:id="rId2"/>
     <p:sldId id="257" r:id="rId3"/>
-    <p:sldId id="258" r:id="rId4"/>
+    <p:sldId id="259" r:id="rId4"/>
+    <p:sldId id="258" r:id="rId5"/>
   </p:sldIdLst>
   <p:sldSz cx="12192000" cy="6858000"/>
   <p:notesSz cx="6858000" cy="9144000"/>
@@ -106,7 +110,394 @@
       </a:defRPr>
     </a:lvl9pPr>
   </p:defaultTextStyle>
+  <p:extLst>
+    <p:ext uri="{EFAFB233-063F-42B5-8137-9DF3F51BA10A}">
+      <p15:sldGuideLst xmlns:p15="http://schemas.microsoft.com/office/powerpoint/2012/main"/>
+    </p:ext>
+  </p:extLst>
 </p:presentation>
+</file>
+
+<file path=ppt/notesMasters/notesMaster1.xml><?xml version="1.0" encoding="utf-8"?>
+<p:notesMaster xmlns:a="http://schemas.openxmlformats.org/drawingml/2006/main" xmlns:r="http://schemas.openxmlformats.org/officeDocument/2006/relationships" xmlns:p="http://schemas.openxmlformats.org/presentationml/2006/main">
+  <p:cSld>
+    <p:bg>
+      <p:bgRef idx="1001">
+        <a:schemeClr val="bg1"/>
+      </p:bgRef>
+    </p:bg>
+    <p:spTree>
+      <p:nvGrpSpPr>
+        <p:cNvPr id="1" name=""/>
+        <p:cNvGrpSpPr/>
+        <p:nvPr/>
+      </p:nvGrpSpPr>
+      <p:grpSpPr>
+        <a:xfrm>
+          <a:off x="0" y="0"/>
+          <a:ext cx="0" cy="0"/>
+          <a:chOff x="0" y="0"/>
+          <a:chExt cx="0" cy="0"/>
+        </a:xfrm>
+      </p:grpSpPr>
+      <p:sp>
+        <p:nvSpPr>
+          <p:cNvPr id="2" name="ヘッダー プレースホルダー 1"/>
+          <p:cNvSpPr>
+            <a:spLocks noGrp="1"/>
+          </p:cNvSpPr>
+          <p:nvPr>
+            <p:ph type="hdr" sz="quarter"/>
+          </p:nvPr>
+        </p:nvSpPr>
+        <p:spPr>
+          <a:xfrm>
+            <a:off x="0" y="0"/>
+            <a:ext cx="2971800" cy="458788"/>
+          </a:xfrm>
+          <a:prstGeom prst="rect">
+            <a:avLst/>
+          </a:prstGeom>
+        </p:spPr>
+        <p:txBody>
+          <a:bodyPr vert="horz" lIns="91440" tIns="45720" rIns="91440" bIns="45720" rtlCol="0"/>
+          <a:lstStyle>
+            <a:lvl1pPr algn="l">
+              <a:defRPr sz="1200"/>
+            </a:lvl1pPr>
+          </a:lstStyle>
+          <a:p>
+            <a:endParaRPr kumimoji="1" lang="ja-JP" altLang="en-US"/>
+          </a:p>
+        </p:txBody>
+      </p:sp>
+      <p:sp>
+        <p:nvSpPr>
+          <p:cNvPr id="3" name="日付プレースホルダー 2"/>
+          <p:cNvSpPr>
+            <a:spLocks noGrp="1"/>
+          </p:cNvSpPr>
+          <p:nvPr>
+            <p:ph type="dt" idx="1"/>
+          </p:nvPr>
+        </p:nvSpPr>
+        <p:spPr>
+          <a:xfrm>
+            <a:off x="3884613" y="0"/>
+            <a:ext cx="2971800" cy="458788"/>
+          </a:xfrm>
+          <a:prstGeom prst="rect">
+            <a:avLst/>
+          </a:prstGeom>
+        </p:spPr>
+        <p:txBody>
+          <a:bodyPr vert="horz" lIns="91440" tIns="45720" rIns="91440" bIns="45720" rtlCol="0"/>
+          <a:lstStyle>
+            <a:lvl1pPr algn="r">
+              <a:defRPr sz="1200"/>
+            </a:lvl1pPr>
+          </a:lstStyle>
+          <a:p>
+            <a:fld id="{7A977447-C913-7E45-B556-EE4A3D05DB9D}" type="datetimeFigureOut">
+              <a:rPr kumimoji="1" lang="ja-JP" altLang="en-US" smtClean="0"/>
+              <a:t>2017/12/2</a:t>
+            </a:fld>
+            <a:endParaRPr kumimoji="1" lang="ja-JP" altLang="en-US"/>
+          </a:p>
+        </p:txBody>
+      </p:sp>
+      <p:sp>
+        <p:nvSpPr>
+          <p:cNvPr id="4" name="スライド イメージ プレースホルダー 3"/>
+          <p:cNvSpPr>
+            <a:spLocks noGrp="1" noRot="1" noChangeAspect="1"/>
+          </p:cNvSpPr>
+          <p:nvPr>
+            <p:ph type="sldImg" idx="2"/>
+          </p:nvPr>
+        </p:nvSpPr>
+        <p:spPr>
+          <a:xfrm>
+            <a:off x="685800" y="1143000"/>
+            <a:ext cx="5486400" cy="3086100"/>
+          </a:xfrm>
+          <a:prstGeom prst="rect">
+            <a:avLst/>
+          </a:prstGeom>
+          <a:noFill/>
+          <a:ln w="12700">
+            <a:solidFill>
+              <a:prstClr val="black"/>
+            </a:solidFill>
+          </a:ln>
+        </p:spPr>
+        <p:txBody>
+          <a:bodyPr vert="horz" lIns="91440" tIns="45720" rIns="91440" bIns="45720" rtlCol="0" anchor="ctr"/>
+          <a:lstStyle/>
+          <a:p>
+            <a:endParaRPr lang="ja-JP" altLang="en-US"/>
+          </a:p>
+        </p:txBody>
+      </p:sp>
+      <p:sp>
+        <p:nvSpPr>
+          <p:cNvPr id="5" name="ノート プレースホルダー 4"/>
+          <p:cNvSpPr>
+            <a:spLocks noGrp="1"/>
+          </p:cNvSpPr>
+          <p:nvPr>
+            <p:ph type="body" sz="quarter" idx="3"/>
+          </p:nvPr>
+        </p:nvSpPr>
+        <p:spPr>
+          <a:xfrm>
+            <a:off x="685800" y="4400550"/>
+            <a:ext cx="5486400" cy="3600450"/>
+          </a:xfrm>
+          <a:prstGeom prst="rect">
+            <a:avLst/>
+          </a:prstGeom>
+        </p:spPr>
+        <p:txBody>
+          <a:bodyPr vert="horz" lIns="91440" tIns="45720" rIns="91440" bIns="45720" rtlCol="0"/>
+          <a:lstStyle/>
+          <a:p>
+            <a:pPr lvl="0"/>
+            <a:r>
+              <a:rPr kumimoji="1" lang="ja-JP" altLang="en-US" smtClean="0"/>
+              <a:t>マスター テキストの書式設定</a:t>
+            </a:r>
+          </a:p>
+          <a:p>
+            <a:pPr lvl="1"/>
+            <a:r>
+              <a:rPr kumimoji="1" lang="ja-JP" altLang="en-US" smtClean="0"/>
+              <a:t>第 </a:t>
+            </a:r>
+            <a:r>
+              <a:rPr kumimoji="1" lang="en-US" altLang="ja-JP" smtClean="0"/>
+              <a:t>2 </a:t>
+            </a:r>
+            <a:r>
+              <a:rPr kumimoji="1" lang="ja-JP" altLang="en-US" smtClean="0"/>
+              <a:t>レベル</a:t>
+            </a:r>
+          </a:p>
+          <a:p>
+            <a:pPr lvl="2"/>
+            <a:r>
+              <a:rPr kumimoji="1" lang="ja-JP" altLang="en-US" smtClean="0"/>
+              <a:t>第 </a:t>
+            </a:r>
+            <a:r>
+              <a:rPr kumimoji="1" lang="en-US" altLang="ja-JP" smtClean="0"/>
+              <a:t>3 </a:t>
+            </a:r>
+            <a:r>
+              <a:rPr kumimoji="1" lang="ja-JP" altLang="en-US" smtClean="0"/>
+              <a:t>レベル</a:t>
+            </a:r>
+          </a:p>
+          <a:p>
+            <a:pPr lvl="3"/>
+            <a:r>
+              <a:rPr kumimoji="1" lang="ja-JP" altLang="en-US" smtClean="0"/>
+              <a:t>第 </a:t>
+            </a:r>
+            <a:r>
+              <a:rPr kumimoji="1" lang="en-US" altLang="ja-JP" smtClean="0"/>
+              <a:t>4 </a:t>
+            </a:r>
+            <a:r>
+              <a:rPr kumimoji="1" lang="ja-JP" altLang="en-US" smtClean="0"/>
+              <a:t>レベル</a:t>
+            </a:r>
+          </a:p>
+          <a:p>
+            <a:pPr lvl="4"/>
+            <a:r>
+              <a:rPr kumimoji="1" lang="ja-JP" altLang="en-US" smtClean="0"/>
+              <a:t>第 </a:t>
+            </a:r>
+            <a:r>
+              <a:rPr kumimoji="1" lang="en-US" altLang="ja-JP" smtClean="0"/>
+              <a:t>5 </a:t>
+            </a:r>
+            <a:r>
+              <a:rPr kumimoji="1" lang="ja-JP" altLang="en-US" smtClean="0"/>
+              <a:t>レベル</a:t>
+            </a:r>
+            <a:endParaRPr kumimoji="1" lang="ja-JP" altLang="en-US"/>
+          </a:p>
+        </p:txBody>
+      </p:sp>
+      <p:sp>
+        <p:nvSpPr>
+          <p:cNvPr id="6" name="フッター プレースホルダー 5"/>
+          <p:cNvSpPr>
+            <a:spLocks noGrp="1"/>
+          </p:cNvSpPr>
+          <p:nvPr>
+            <p:ph type="ftr" sz="quarter" idx="4"/>
+          </p:nvPr>
+        </p:nvSpPr>
+        <p:spPr>
+          <a:xfrm>
+            <a:off x="0" y="8685213"/>
+            <a:ext cx="2971800" cy="458787"/>
+          </a:xfrm>
+          <a:prstGeom prst="rect">
+            <a:avLst/>
+          </a:prstGeom>
+        </p:spPr>
+        <p:txBody>
+          <a:bodyPr vert="horz" lIns="91440" tIns="45720" rIns="91440" bIns="45720" rtlCol="0" anchor="b"/>
+          <a:lstStyle>
+            <a:lvl1pPr algn="l">
+              <a:defRPr sz="1200"/>
+            </a:lvl1pPr>
+          </a:lstStyle>
+          <a:p>
+            <a:endParaRPr kumimoji="1" lang="ja-JP" altLang="en-US"/>
+          </a:p>
+        </p:txBody>
+      </p:sp>
+      <p:sp>
+        <p:nvSpPr>
+          <p:cNvPr id="7" name="スライド番号プレースホルダー 6"/>
+          <p:cNvSpPr>
+            <a:spLocks noGrp="1"/>
+          </p:cNvSpPr>
+          <p:nvPr>
+            <p:ph type="sldNum" sz="quarter" idx="5"/>
+          </p:nvPr>
+        </p:nvSpPr>
+        <p:spPr>
+          <a:xfrm>
+            <a:off x="3884613" y="8685213"/>
+            <a:ext cx="2971800" cy="458787"/>
+          </a:xfrm>
+          <a:prstGeom prst="rect">
+            <a:avLst/>
+          </a:prstGeom>
+        </p:spPr>
+        <p:txBody>
+          <a:bodyPr vert="horz" lIns="91440" tIns="45720" rIns="91440" bIns="45720" rtlCol="0" anchor="b"/>
+          <a:lstStyle>
+            <a:lvl1pPr algn="r">
+              <a:defRPr sz="1200"/>
+            </a:lvl1pPr>
+          </a:lstStyle>
+          <a:p>
+            <a:fld id="{D8AD371C-A62B-8E43-9850-34D5BEFB4913}" type="slidenum">
+              <a:rPr kumimoji="1" lang="ja-JP" altLang="en-US" smtClean="0"/>
+              <a:t>‹#›</a:t>
+            </a:fld>
+            <a:endParaRPr kumimoji="1" lang="ja-JP" altLang="en-US"/>
+          </a:p>
+        </p:txBody>
+      </p:sp>
+    </p:spTree>
+    <p:extLst>
+      <p:ext uri="{BB962C8B-B14F-4D97-AF65-F5344CB8AC3E}">
+        <p14:creationId xmlns:p14="http://schemas.microsoft.com/office/powerpoint/2010/main" val="1594309798"/>
+      </p:ext>
+    </p:extLst>
+  </p:cSld>
+  <p:clrMap bg1="lt1" tx1="dk1" bg2="lt2" tx2="dk2" accent1="accent1" accent2="accent2" accent3="accent3" accent4="accent4" accent5="accent5" accent6="accent6" hlink="hlink" folHlink="folHlink"/>
+  <p:notesStyle>
+    <a:lvl1pPr marL="0" algn="l" defTabSz="914400" rtl="0" eaLnBrk="1" latinLnBrk="0" hangingPunct="1">
+      <a:defRPr kumimoji="1" sz="1200" kern="1200">
+        <a:solidFill>
+          <a:schemeClr val="tx1"/>
+        </a:solidFill>
+        <a:latin typeface="+mn-lt"/>
+        <a:ea typeface="+mn-ea"/>
+        <a:cs typeface="+mn-cs"/>
+      </a:defRPr>
+    </a:lvl1pPr>
+    <a:lvl2pPr marL="457200" algn="l" defTabSz="914400" rtl="0" eaLnBrk="1" latinLnBrk="0" hangingPunct="1">
+      <a:defRPr kumimoji="1" sz="1200" kern="1200">
+        <a:solidFill>
+          <a:schemeClr val="tx1"/>
+        </a:solidFill>
+        <a:latin typeface="+mn-lt"/>
+        <a:ea typeface="+mn-ea"/>
+        <a:cs typeface="+mn-cs"/>
+      </a:defRPr>
+    </a:lvl2pPr>
+    <a:lvl3pPr marL="914400" algn="l" defTabSz="914400" rtl="0" eaLnBrk="1" latinLnBrk="0" hangingPunct="1">
+      <a:defRPr kumimoji="1" sz="1200" kern="1200">
+        <a:solidFill>
+          <a:schemeClr val="tx1"/>
+        </a:solidFill>
+        <a:latin typeface="+mn-lt"/>
+        <a:ea typeface="+mn-ea"/>
+        <a:cs typeface="+mn-cs"/>
+      </a:defRPr>
+    </a:lvl3pPr>
+    <a:lvl4pPr marL="1371600" algn="l" defTabSz="914400" rtl="0" eaLnBrk="1" latinLnBrk="0" hangingPunct="1">
+      <a:defRPr kumimoji="1" sz="1200" kern="1200">
+        <a:solidFill>
+          <a:schemeClr val="tx1"/>
+        </a:solidFill>
+        <a:latin typeface="+mn-lt"/>
+        <a:ea typeface="+mn-ea"/>
+        <a:cs typeface="+mn-cs"/>
+      </a:defRPr>
+    </a:lvl4pPr>
+    <a:lvl5pPr marL="1828800" algn="l" defTabSz="914400" rtl="0" eaLnBrk="1" latinLnBrk="0" hangingPunct="1">
+      <a:defRPr kumimoji="1" sz="1200" kern="1200">
+        <a:solidFill>
+          <a:schemeClr val="tx1"/>
+        </a:solidFill>
+        <a:latin typeface="+mn-lt"/>
+        <a:ea typeface="+mn-ea"/>
+        <a:cs typeface="+mn-cs"/>
+      </a:defRPr>
+    </a:lvl5pPr>
+    <a:lvl6pPr marL="2286000" algn="l" defTabSz="914400" rtl="0" eaLnBrk="1" latinLnBrk="0" hangingPunct="1">
+      <a:defRPr kumimoji="1" sz="1200" kern="1200">
+        <a:solidFill>
+          <a:schemeClr val="tx1"/>
+        </a:solidFill>
+        <a:latin typeface="+mn-lt"/>
+        <a:ea typeface="+mn-ea"/>
+        <a:cs typeface="+mn-cs"/>
+      </a:defRPr>
+    </a:lvl6pPr>
+    <a:lvl7pPr marL="2743200" algn="l" defTabSz="914400" rtl="0" eaLnBrk="1" latinLnBrk="0" hangingPunct="1">
+      <a:defRPr kumimoji="1" sz="1200" kern="1200">
+        <a:solidFill>
+          <a:schemeClr val="tx1"/>
+        </a:solidFill>
+        <a:latin typeface="+mn-lt"/>
+        <a:ea typeface="+mn-ea"/>
+        <a:cs typeface="+mn-cs"/>
+      </a:defRPr>
+    </a:lvl7pPr>
+    <a:lvl8pPr marL="3200400" algn="l" defTabSz="914400" rtl="0" eaLnBrk="1" latinLnBrk="0" hangingPunct="1">
+      <a:defRPr kumimoji="1" sz="1200" kern="1200">
+        <a:solidFill>
+          <a:schemeClr val="tx1"/>
+        </a:solidFill>
+        <a:latin typeface="+mn-lt"/>
+        <a:ea typeface="+mn-ea"/>
+        <a:cs typeface="+mn-cs"/>
+      </a:defRPr>
+    </a:lvl8pPr>
+    <a:lvl9pPr marL="3657600" algn="l" defTabSz="914400" rtl="0" eaLnBrk="1" latinLnBrk="0" hangingPunct="1">
+      <a:defRPr kumimoji="1" sz="1200" kern="1200">
+        <a:solidFill>
+          <a:schemeClr val="tx1"/>
+        </a:solidFill>
+        <a:latin typeface="+mn-lt"/>
+        <a:ea typeface="+mn-ea"/>
+        <a:cs typeface="+mn-cs"/>
+      </a:defRPr>
+    </a:lvl9pPr>
+  </p:notesStyle>
+</p:notesMaster>
 </file>
 
 <file path=ppt/slideLayouts/slideLayout1.xml><?xml version="1.0" encoding="utf-8"?>
@@ -297,7 +688,7 @@
           <a:p>
             <a:fld id="{71AB4A26-3042-AA4E-B1FB-6E0C7FB00347}" type="datetimeFigureOut">
               <a:rPr kumimoji="1" lang="ja-JP" altLang="en-US" smtClean="0"/>
-              <a:t>2017/11/28</a:t>
+              <a:t>2017/11/29</a:t>
             </a:fld>
             <a:endParaRPr kumimoji="1" lang="ja-JP" altLang="en-US"/>
           </a:p>
@@ -630,7 +1021,7 @@
           <a:p>
             <a:fld id="{71AB4A26-3042-AA4E-B1FB-6E0C7FB00347}" type="datetimeFigureOut">
               <a:rPr kumimoji="1" lang="ja-JP" altLang="en-US" smtClean="0"/>
-              <a:t>2017/11/28</a:t>
+              <a:t>2017/11/29</a:t>
             </a:fld>
             <a:endParaRPr kumimoji="1" lang="ja-JP" altLang="en-US"/>
           </a:p>
@@ -1026,7 +1417,7 @@
           <a:p>
             <a:fld id="{71AB4A26-3042-AA4E-B1FB-6E0C7FB00347}" type="datetimeFigureOut">
               <a:rPr kumimoji="1" lang="ja-JP" altLang="en-US" smtClean="0"/>
-              <a:t>2017/11/28</a:t>
+              <a:t>2017/11/29</a:t>
             </a:fld>
             <a:endParaRPr kumimoji="1" lang="ja-JP" altLang="en-US"/>
           </a:p>
@@ -1356,7 +1747,7 @@
           <a:p>
             <a:fld id="{71AB4A26-3042-AA4E-B1FB-6E0C7FB00347}" type="datetimeFigureOut">
               <a:rPr kumimoji="1" lang="ja-JP" altLang="en-US" smtClean="0"/>
-              <a:t>2017/11/28</a:t>
+              <a:t>2017/11/29</a:t>
             </a:fld>
             <a:endParaRPr kumimoji="1" lang="ja-JP" altLang="en-US"/>
           </a:p>
@@ -1671,7 +2062,7 @@
           <a:p>
             <a:fld id="{71AB4A26-3042-AA4E-B1FB-6E0C7FB00347}" type="datetimeFigureOut">
               <a:rPr kumimoji="1" lang="ja-JP" altLang="en-US" smtClean="0"/>
-              <a:t>2017/11/28</a:t>
+              <a:t>2017/11/29</a:t>
             </a:fld>
             <a:endParaRPr kumimoji="1" lang="ja-JP" altLang="en-US"/>
           </a:p>
@@ -2062,7 +2453,7 @@
           <a:p>
             <a:fld id="{71AB4A26-3042-AA4E-B1FB-6E0C7FB00347}" type="datetimeFigureOut">
               <a:rPr kumimoji="1" lang="ja-JP" altLang="en-US" smtClean="0"/>
-              <a:t>2017/11/28</a:t>
+              <a:t>2017/11/29</a:t>
             </a:fld>
             <a:endParaRPr kumimoji="1" lang="ja-JP" altLang="en-US"/>
           </a:p>
@@ -2346,7 +2737,7 @@
           <a:p>
             <a:fld id="{71AB4A26-3042-AA4E-B1FB-6E0C7FB00347}" type="datetimeFigureOut">
               <a:rPr kumimoji="1" lang="ja-JP" altLang="en-US" smtClean="0"/>
-              <a:t>2017/11/28</a:t>
+              <a:t>2017/11/29</a:t>
             </a:fld>
             <a:endParaRPr kumimoji="1" lang="ja-JP" altLang="en-US"/>
           </a:p>
@@ -2635,7 +3026,7 @@
           <a:p>
             <a:fld id="{71AB4A26-3042-AA4E-B1FB-6E0C7FB00347}" type="datetimeFigureOut">
               <a:rPr kumimoji="1" lang="ja-JP" altLang="en-US" smtClean="0"/>
-              <a:t>2017/11/28</a:t>
+              <a:t>2017/11/29</a:t>
             </a:fld>
             <a:endParaRPr kumimoji="1" lang="ja-JP" altLang="en-US"/>
           </a:p>
@@ -2924,7 +3315,7 @@
           <a:p>
             <a:fld id="{71AB4A26-3042-AA4E-B1FB-6E0C7FB00347}" type="datetimeFigureOut">
               <a:rPr kumimoji="1" lang="ja-JP" altLang="en-US" smtClean="0"/>
-              <a:t>2017/11/28</a:t>
+              <a:t>2017/11/29</a:t>
             </a:fld>
             <a:endParaRPr kumimoji="1" lang="ja-JP" altLang="en-US"/>
           </a:p>
@@ -3248,7 +3639,7 @@
           <a:p>
             <a:fld id="{71AB4A26-3042-AA4E-B1FB-6E0C7FB00347}" type="datetimeFigureOut">
               <a:rPr kumimoji="1" lang="ja-JP" altLang="en-US" smtClean="0"/>
-              <a:t>2017/11/28</a:t>
+              <a:t>2017/11/29</a:t>
             </a:fld>
             <a:endParaRPr kumimoji="1" lang="ja-JP" altLang="en-US"/>
           </a:p>
@@ -3630,7 +4021,7 @@
           <a:p>
             <a:fld id="{71AB4A26-3042-AA4E-B1FB-6E0C7FB00347}" type="datetimeFigureOut">
               <a:rPr kumimoji="1" lang="ja-JP" altLang="en-US" smtClean="0"/>
-              <a:t>2017/11/28</a:t>
+              <a:t>2017/11/29</a:t>
             </a:fld>
             <a:endParaRPr kumimoji="1" lang="ja-JP" altLang="en-US"/>
           </a:p>
@@ -4146,7 +4537,7 @@
           <a:p>
             <a:fld id="{71AB4A26-3042-AA4E-B1FB-6E0C7FB00347}" type="datetimeFigureOut">
               <a:rPr kumimoji="1" lang="ja-JP" altLang="en-US" smtClean="0"/>
-              <a:t>2017/11/28</a:t>
+              <a:t>2017/11/29</a:t>
             </a:fld>
             <a:endParaRPr kumimoji="1" lang="ja-JP" altLang="en-US"/>
           </a:p>
@@ -4346,7 +4737,7 @@
           <a:p>
             <a:fld id="{71AB4A26-3042-AA4E-B1FB-6E0C7FB00347}" type="datetimeFigureOut">
               <a:rPr kumimoji="1" lang="ja-JP" altLang="en-US" smtClean="0"/>
-              <a:t>2017/11/28</a:t>
+              <a:t>2017/11/29</a:t>
             </a:fld>
             <a:endParaRPr kumimoji="1" lang="ja-JP" altLang="en-US"/>
           </a:p>
@@ -4518,7 +4909,7 @@
           <a:p>
             <a:fld id="{71AB4A26-3042-AA4E-B1FB-6E0C7FB00347}" type="datetimeFigureOut">
               <a:rPr kumimoji="1" lang="ja-JP" altLang="en-US" smtClean="0"/>
-              <a:t>2017/11/28</a:t>
+              <a:t>2017/11/29</a:t>
             </a:fld>
             <a:endParaRPr kumimoji="1" lang="ja-JP" altLang="en-US"/>
           </a:p>
@@ -4878,7 +5269,7 @@
           <a:p>
             <a:fld id="{71AB4A26-3042-AA4E-B1FB-6E0C7FB00347}" type="datetimeFigureOut">
               <a:rPr kumimoji="1" lang="ja-JP" altLang="en-US" smtClean="0"/>
-              <a:t>2017/11/28</a:t>
+              <a:t>2017/11/29</a:t>
             </a:fld>
             <a:endParaRPr kumimoji="1" lang="ja-JP" altLang="en-US"/>
           </a:p>
@@ -5218,7 +5609,7 @@
           <a:p>
             <a:fld id="{71AB4A26-3042-AA4E-B1FB-6E0C7FB00347}" type="datetimeFigureOut">
               <a:rPr kumimoji="1" lang="ja-JP" altLang="en-US" smtClean="0"/>
-              <a:t>2017/11/28</a:t>
+              <a:t>2017/11/29</a:t>
             </a:fld>
             <a:endParaRPr kumimoji="1" lang="ja-JP" altLang="en-US"/>
           </a:p>
@@ -7362,7 +7753,7 @@
           <a:p>
             <a:fld id="{71AB4A26-3042-AA4E-B1FB-6E0C7FB00347}" type="datetimeFigureOut">
               <a:rPr kumimoji="1" lang="ja-JP" altLang="en-US" smtClean="0"/>
-              <a:t>2017/11/28</a:t>
+              <a:t>2017/11/29</a:t>
             </a:fld>
             <a:endParaRPr kumimoji="1" lang="ja-JP" altLang="en-US"/>
           </a:p>
@@ -8006,7 +8397,7 @@
           <a:p>
             <a:r>
               <a:rPr kumimoji="1" lang="ja-JP" altLang="en-US" dirty="0" smtClean="0"/>
-              <a:t>ツールの概要</a:t>
+              <a:t>画面と機能の概要</a:t>
             </a:r>
             <a:endParaRPr kumimoji="1" lang="ja-JP" altLang="en-US" dirty="0"/>
           </a:p>
@@ -8022,11 +8413,25 @@
             <p:ph idx="1"/>
           </p:nvPr>
         </p:nvSpPr>
-        <p:spPr/>
-        <p:txBody>
-          <a:bodyPr/>
+        <p:spPr>
+          <a:xfrm>
+            <a:off x="2589212" y="1624405"/>
+            <a:ext cx="8915400" cy="4862455"/>
+          </a:xfrm>
+        </p:spPr>
+        <p:txBody>
+          <a:bodyPr>
+            <a:normAutofit fontScale="85000" lnSpcReduction="20000"/>
+          </a:bodyPr>
           <a:lstStyle/>
           <a:p>
+            <a:pPr marL="0" indent="0">
+              <a:buNone/>
+            </a:pPr>
+            <a:r>
+              <a:rPr lang="ja-JP" altLang="en-US" dirty="0" smtClean="0"/>
+              <a:t>１．</a:t>
+            </a:r>
             <a:r>
               <a:rPr lang="en-US" altLang="ja-JP" dirty="0" smtClean="0"/>
               <a:t>JP</a:t>
@@ -8041,31 +8446,98 @@
             </a:r>
             <a:r>
               <a:rPr lang="ja-JP" altLang="en-US" dirty="0" smtClean="0"/>
-              <a:t>のみをアップロード　１ユーザー</a:t>
-            </a:r>
+              <a:t>をアップロードする画面</a:t>
+            </a:r>
+            <a:r>
+              <a:rPr lang="ja-JP" altLang="en-US" dirty="0" smtClean="0"/>
+              <a:t>　</a:t>
+            </a:r>
+            <a:endParaRPr lang="en-US" altLang="ja-JP" dirty="0" smtClean="0"/>
+          </a:p>
+          <a:p>
             <a:r>
               <a:rPr lang="en-US" altLang="ja-JP" dirty="0" smtClean="0"/>
-              <a:t>10000</a:t>
+              <a:t>JP</a:t>
             </a:r>
             <a:r>
               <a:rPr lang="ja-JP" altLang="en-US" dirty="0" smtClean="0"/>
+              <a:t>に対して「新品」のアップロードと「中古」のアップロードができる。</a:t>
+            </a:r>
+            <a:endParaRPr lang="en-US" altLang="ja-JP" dirty="0" smtClean="0"/>
+          </a:p>
+          <a:p>
+            <a:r>
+              <a:rPr lang="ja-JP" altLang="en-US" dirty="0"/>
+              <a:t>１</a:t>
+            </a:r>
+            <a:r>
+              <a:rPr lang="ja-JP" altLang="en-US" dirty="0" smtClean="0"/>
+              <a:t>ユーザー新品・中古それぞれ</a:t>
+            </a:r>
+            <a:r>
+              <a:rPr lang="en-US" altLang="ja-JP" dirty="0" smtClean="0"/>
+              <a:t>5000</a:t>
+            </a:r>
+            <a:r>
+              <a:rPr lang="ja-JP" altLang="en-US" dirty="0"/>
               <a:t>件上限。</a:t>
             </a:r>
             <a:r>
+              <a:rPr lang="en-US" altLang="ja-JP" dirty="0"/>
+              <a:t>Grade</a:t>
+            </a:r>
+            <a:r>
+              <a:rPr lang="ja-JP" altLang="en-US" dirty="0"/>
+              <a:t>により</a:t>
+            </a:r>
+            <a:r>
+              <a:rPr lang="en-US" altLang="ja-JP" dirty="0"/>
+              <a:t>1</a:t>
+            </a:r>
+            <a:r>
+              <a:rPr lang="ja-JP" altLang="en-US" dirty="0"/>
+              <a:t>万</a:t>
+            </a:r>
+            <a:r>
+              <a:rPr lang="ja-JP" altLang="en-US" dirty="0" smtClean="0"/>
+              <a:t>件等変更できる。</a:t>
+            </a:r>
+            <a:endParaRPr lang="en-US" altLang="ja-JP" dirty="0" smtClean="0"/>
+          </a:p>
+          <a:p>
+            <a:r>
               <a:rPr lang="en-US" altLang="ja-JP" dirty="0" smtClean="0"/>
-              <a:t>Grade</a:t>
+              <a:t>FBA</a:t>
             </a:r>
             <a:r>
               <a:rPr lang="ja-JP" altLang="en-US" dirty="0" smtClean="0"/>
-              <a:t>により</a:t>
-            </a:r>
-            <a:r>
-              <a:rPr lang="en-US" altLang="ja-JP" dirty="0" smtClean="0"/>
-              <a:t>3</a:t>
-            </a:r>
+              <a:t>ツールなどのアップロード画面と同様のデザイン。</a:t>
+            </a:r>
+            <a:endParaRPr lang="en-US" altLang="ja-JP" dirty="0" smtClean="0"/>
+          </a:p>
+          <a:p>
+            <a:pPr marL="0" indent="0">
+              <a:buNone/>
+            </a:pPr>
             <a:r>
               <a:rPr lang="ja-JP" altLang="en-US" dirty="0" smtClean="0"/>
-              <a:t>万件。</a:t>
+              <a:t>ただし、「新品」「中古」の２通り登録できるところが異なります。</a:t>
+            </a:r>
+            <a:endParaRPr lang="en-US" altLang="ja-JP" dirty="0" smtClean="0"/>
+          </a:p>
+          <a:p>
+            <a:pPr marL="0" indent="0">
+              <a:buNone/>
+            </a:pPr>
+            <a:endParaRPr lang="en-US" altLang="ja-JP" dirty="0"/>
+          </a:p>
+          <a:p>
+            <a:pPr marL="0" indent="0">
+              <a:buNone/>
+            </a:pPr>
+            <a:r>
+              <a:rPr lang="ja-JP" altLang="en-US" dirty="0" smtClean="0"/>
+              <a:t>２．メール通知設定画面</a:t>
             </a:r>
             <a:endParaRPr lang="en-US" altLang="ja-JP" dirty="0" smtClean="0"/>
           </a:p>
@@ -8075,10 +8547,97 @@
               <a:t>API</a:t>
             </a:r>
             <a:r>
+              <a:rPr lang="ja-JP" altLang="en-US" dirty="0"/>
+              <a:t>で取得したデータのランキングなどの動きなどを分析し、条件に合致した商品をメールで通知する。</a:t>
+            </a:r>
+            <a:endParaRPr lang="en-US" altLang="ja-JP" dirty="0"/>
+          </a:p>
+          <a:p>
+            <a:pPr marL="0" indent="0">
+              <a:buNone/>
+            </a:pPr>
+            <a:endParaRPr lang="en-US" altLang="ja-JP" dirty="0" smtClean="0"/>
+          </a:p>
+          <a:p>
+            <a:pPr marL="0" indent="0">
+              <a:buNone/>
+            </a:pPr>
+            <a:r>
               <a:rPr lang="ja-JP" altLang="en-US" dirty="0" smtClean="0"/>
-              <a:t>で取得したデータの動きを分析し、条件に合致した商品をメールで通知する。</a:t>
-            </a:r>
-            <a:endParaRPr lang="en-US" altLang="ja-JP" smtClean="0"/>
+              <a:t>３．分析画面</a:t>
+            </a:r>
+            <a:endParaRPr lang="en-US" altLang="ja-JP" dirty="0" smtClean="0"/>
+          </a:p>
+          <a:p>
+            <a:r>
+              <a:rPr lang="en-US" altLang="ja-JP" dirty="0" smtClean="0"/>
+              <a:t>FBA</a:t>
+            </a:r>
+            <a:r>
+              <a:rPr lang="ja-JP" altLang="en-US" dirty="0"/>
+              <a:t>ツールの分析画面</a:t>
+            </a:r>
+            <a:r>
+              <a:rPr lang="ja-JP" altLang="en-US" dirty="0" smtClean="0"/>
+              <a:t>と似たデザインの</a:t>
+            </a:r>
+            <a:r>
+              <a:rPr lang="ja-JP" altLang="en-US" dirty="0"/>
+              <a:t>分析画面</a:t>
+            </a:r>
+            <a:r>
+              <a:rPr lang="ja-JP" altLang="en-US" dirty="0" smtClean="0"/>
+              <a:t>。</a:t>
+            </a:r>
+            <a:endParaRPr lang="en-US" altLang="ja-JP" dirty="0" smtClean="0"/>
+          </a:p>
+          <a:p>
+            <a:pPr marL="0" indent="0">
+              <a:buNone/>
+            </a:pPr>
+            <a:r>
+              <a:rPr lang="ja-JP" altLang="en-US" dirty="0" smtClean="0"/>
+              <a:t>切り口が複数あるためタブ画面が多いです。詳細は後述</a:t>
+            </a:r>
+            <a:r>
+              <a:rPr lang="ja-JP" altLang="en-US" dirty="0"/>
+              <a:t>します</a:t>
+            </a:r>
+            <a:r>
+              <a:rPr lang="ja-JP" altLang="en-US" dirty="0" smtClean="0"/>
+              <a:t>。</a:t>
+            </a:r>
+            <a:endParaRPr lang="en-US" altLang="ja-JP" dirty="0" smtClean="0"/>
+          </a:p>
+          <a:p>
+            <a:endParaRPr lang="en-US" altLang="ja-JP" dirty="0"/>
+          </a:p>
+          <a:p>
+            <a:pPr marL="0" indent="0">
+              <a:buNone/>
+            </a:pPr>
+            <a:r>
+              <a:rPr lang="ja-JP" altLang="en-US" dirty="0" smtClean="0"/>
+              <a:t>４．初期設定画面</a:t>
+            </a:r>
+            <a:endParaRPr lang="en-US" altLang="ja-JP" dirty="0" smtClean="0"/>
+          </a:p>
+          <a:p>
+            <a:r>
+              <a:rPr lang="en-US" altLang="ja-JP" dirty="0" smtClean="0"/>
+              <a:t>MWSAPI</a:t>
+            </a:r>
+            <a:r>
+              <a:rPr lang="ja-JP" altLang="en-US" dirty="0" smtClean="0"/>
+              <a:t>情報などを登録する。</a:t>
+            </a:r>
+            <a:endParaRPr lang="en-US" altLang="ja-JP" dirty="0"/>
+          </a:p>
+          <a:p>
+            <a:pPr marL="0" indent="0">
+              <a:buNone/>
+            </a:pPr>
+            <a:endParaRPr lang="en-US" altLang="ja-JP" dirty="0" smtClean="0"/>
           </a:p>
           <a:p>
             <a:endParaRPr kumimoji="1" lang="ja-JP" altLang="en-US" dirty="0"/>
@@ -8130,18 +8689,332 @@
           <a:bodyPr/>
           <a:lstStyle/>
           <a:p>
+            <a:r>
+              <a:rPr kumimoji="1" lang="en-US" altLang="ja-JP" dirty="0" smtClean="0"/>
+              <a:t>ASIN</a:t>
+            </a:r>
+            <a:r>
+              <a:rPr kumimoji="1" lang="ja-JP" altLang="en-US" dirty="0" smtClean="0"/>
+              <a:t>アップロード画面</a:t>
+            </a:r>
+            <a:endParaRPr kumimoji="1" lang="ja-JP" altLang="en-US" dirty="0"/>
+          </a:p>
+        </p:txBody>
+      </p:sp>
+      <p:pic>
+        <p:nvPicPr>
+          <p:cNvPr id="4" name="コンテンツ プレースホルダー 3"/>
+          <p:cNvPicPr>
+            <a:picLocks noGrp="1" noChangeAspect="1"/>
+          </p:cNvPicPr>
+          <p:nvPr>
+            <p:ph idx="1"/>
+          </p:nvPr>
+        </p:nvPicPr>
+        <p:blipFill>
+          <a:blip r:embed="rId2">
+            <a:extLst>
+              <a:ext uri="{28A0092B-C50C-407E-A947-70E740481C1C}">
+                <a14:useLocalDpi xmlns:a14="http://schemas.microsoft.com/office/drawing/2010/main" val="0"/>
+              </a:ext>
+            </a:extLst>
+          </a:blip>
+          <a:stretch>
+            <a:fillRect/>
+          </a:stretch>
+        </p:blipFill>
+        <p:spPr>
+          <a:xfrm>
+            <a:off x="3239197" y="2133600"/>
+            <a:ext cx="7615432" cy="3778250"/>
+          </a:xfrm>
+        </p:spPr>
+      </p:pic>
+      <p:sp>
+        <p:nvSpPr>
+          <p:cNvPr id="5" name="正方形/長方形 4"/>
+          <p:cNvSpPr/>
+          <p:nvPr/>
+        </p:nvSpPr>
+        <p:spPr>
+          <a:xfrm>
+            <a:off x="3248809" y="2571078"/>
+            <a:ext cx="1333949" cy="516367"/>
+          </a:xfrm>
+          <a:prstGeom prst="rect">
+            <a:avLst/>
+          </a:prstGeom>
+          <a:noFill/>
+          <a:ln w="57150">
+            <a:solidFill>
+              <a:srgbClr val="00B0F0"/>
+            </a:solidFill>
+          </a:ln>
+        </p:spPr>
+        <p:style>
+          <a:lnRef idx="2">
+            <a:schemeClr val="accent1">
+              <a:shade val="50000"/>
+            </a:schemeClr>
+          </a:lnRef>
+          <a:fillRef idx="1">
+            <a:schemeClr val="accent1"/>
+          </a:fillRef>
+          <a:effectRef idx="0">
+            <a:schemeClr val="accent1"/>
+          </a:effectRef>
+          <a:fontRef idx="minor">
+            <a:schemeClr val="lt1"/>
+          </a:fontRef>
+        </p:style>
+        <p:txBody>
+          <a:bodyPr rtlCol="0" anchor="ctr"/>
+          <a:lstStyle/>
+          <a:p>
+            <a:pPr algn="ctr"/>
             <a:endParaRPr kumimoji="1" lang="ja-JP" altLang="en-US"/>
           </a:p>
         </p:txBody>
       </p:sp>
       <p:sp>
         <p:nvSpPr>
-          <p:cNvPr id="3" name="コンテンツ プレースホルダー 2"/>
-          <p:cNvSpPr>
-            <a:spLocks noGrp="1"/>
-          </p:cNvSpPr>
-          <p:nvPr>
-            <p:ph idx="1"/>
+          <p:cNvPr id="6" name="四角形吹き出し 5"/>
+          <p:cNvSpPr/>
+          <p:nvPr/>
+        </p:nvSpPr>
+        <p:spPr>
+          <a:xfrm>
+            <a:off x="5023821" y="2388198"/>
+            <a:ext cx="5463204" cy="699248"/>
+          </a:xfrm>
+          <a:prstGeom prst="wedgeRectCallout">
+            <a:avLst>
+              <a:gd name="adj1" fmla="val -57404"/>
+              <a:gd name="adj2" fmla="val -19546"/>
+            </a:avLst>
+          </a:prstGeom>
+        </p:spPr>
+        <p:style>
+          <a:lnRef idx="2">
+            <a:schemeClr val="accent6"/>
+          </a:lnRef>
+          <a:fillRef idx="1">
+            <a:schemeClr val="lt1"/>
+          </a:fillRef>
+          <a:effectRef idx="0">
+            <a:schemeClr val="accent6"/>
+          </a:effectRef>
+          <a:fontRef idx="minor">
+            <a:schemeClr val="dk1"/>
+          </a:fontRef>
+        </p:style>
+        <p:txBody>
+          <a:bodyPr rtlCol="0" anchor="ctr"/>
+          <a:lstStyle/>
+          <a:p>
+            <a:pPr algn="ctr"/>
+            <a:r>
+              <a:rPr kumimoji="1" lang="en-US" altLang="ja-JP" dirty="0" smtClean="0"/>
+              <a:t>FBA</a:t>
+            </a:r>
+            <a:r>
+              <a:rPr kumimoji="1" lang="ja-JP" altLang="en-US" dirty="0" smtClean="0"/>
+              <a:t>ツール同様ですが通常のアップロードと</a:t>
+            </a:r>
+            <a:endParaRPr kumimoji="1" lang="en-US" altLang="ja-JP" dirty="0" smtClean="0"/>
+          </a:p>
+          <a:p>
+            <a:pPr algn="ctr"/>
+            <a:r>
+              <a:rPr kumimoji="1" lang="ja-JP" altLang="en-US" dirty="0" smtClean="0"/>
+              <a:t>マスターアップロード画面があります。</a:t>
+            </a:r>
+            <a:endParaRPr kumimoji="1" lang="ja-JP" altLang="en-US" dirty="0"/>
+          </a:p>
+        </p:txBody>
+      </p:sp>
+      <p:sp>
+        <p:nvSpPr>
+          <p:cNvPr id="7" name="正方形/長方形 6"/>
+          <p:cNvSpPr/>
+          <p:nvPr/>
+        </p:nvSpPr>
+        <p:spPr>
+          <a:xfrm>
+            <a:off x="3372634" y="5395483"/>
+            <a:ext cx="7328704" cy="516367"/>
+          </a:xfrm>
+          <a:prstGeom prst="rect">
+            <a:avLst/>
+          </a:prstGeom>
+          <a:noFill/>
+          <a:ln w="57150">
+            <a:solidFill>
+              <a:srgbClr val="00B0F0"/>
+            </a:solidFill>
+          </a:ln>
+        </p:spPr>
+        <p:style>
+          <a:lnRef idx="2">
+            <a:schemeClr val="accent1">
+              <a:shade val="50000"/>
+            </a:schemeClr>
+          </a:lnRef>
+          <a:fillRef idx="1">
+            <a:schemeClr val="accent1"/>
+          </a:fillRef>
+          <a:effectRef idx="0">
+            <a:schemeClr val="accent1"/>
+          </a:effectRef>
+          <a:fontRef idx="minor">
+            <a:schemeClr val="lt1"/>
+          </a:fontRef>
+        </p:style>
+        <p:txBody>
+          <a:bodyPr rtlCol="0" anchor="ctr"/>
+          <a:lstStyle/>
+          <a:p>
+            <a:pPr algn="ctr"/>
+            <a:endParaRPr kumimoji="1" lang="ja-JP" altLang="en-US"/>
+          </a:p>
+        </p:txBody>
+      </p:sp>
+      <p:sp>
+        <p:nvSpPr>
+          <p:cNvPr id="8" name="四角形吹き出し 7"/>
+          <p:cNvSpPr/>
+          <p:nvPr/>
+        </p:nvSpPr>
+        <p:spPr>
+          <a:xfrm>
+            <a:off x="5391425" y="4557713"/>
+            <a:ext cx="5463204" cy="609169"/>
+          </a:xfrm>
+          <a:prstGeom prst="wedgeRectCallout">
+            <a:avLst>
+              <a:gd name="adj1" fmla="val -34652"/>
+              <a:gd name="adj2" fmla="val 84486"/>
+            </a:avLst>
+          </a:prstGeom>
+        </p:spPr>
+        <p:style>
+          <a:lnRef idx="2">
+            <a:schemeClr val="accent6"/>
+          </a:lnRef>
+          <a:fillRef idx="1">
+            <a:schemeClr val="lt1"/>
+          </a:fillRef>
+          <a:effectRef idx="0">
+            <a:schemeClr val="accent6"/>
+          </a:effectRef>
+          <a:fontRef idx="minor">
+            <a:schemeClr val="dk1"/>
+          </a:fontRef>
+        </p:style>
+        <p:txBody>
+          <a:bodyPr rtlCol="0" anchor="ctr"/>
+          <a:lstStyle/>
+          <a:p>
+            <a:pPr algn="ctr"/>
+            <a:r>
+              <a:rPr kumimoji="1" lang="en-US" altLang="ja-JP" dirty="0" smtClean="0"/>
+              <a:t>JP</a:t>
+            </a:r>
+            <a:r>
+              <a:rPr kumimoji="1" lang="ja-JP" altLang="en-US" dirty="0" smtClean="0"/>
+              <a:t>の「新品」「中古」の行があります。</a:t>
+            </a:r>
+            <a:endParaRPr kumimoji="1" lang="ja-JP" altLang="en-US" dirty="0"/>
+          </a:p>
+        </p:txBody>
+      </p:sp>
+      <p:sp>
+        <p:nvSpPr>
+          <p:cNvPr id="9" name="四角形吹き出し 8"/>
+          <p:cNvSpPr/>
+          <p:nvPr/>
+        </p:nvSpPr>
+        <p:spPr>
+          <a:xfrm>
+            <a:off x="4457975" y="3529659"/>
+            <a:ext cx="5463204" cy="609169"/>
+          </a:xfrm>
+          <a:prstGeom prst="wedgeRectCallout">
+            <a:avLst>
+              <a:gd name="adj1" fmla="val -57404"/>
+              <a:gd name="adj2" fmla="val 96213"/>
+            </a:avLst>
+          </a:prstGeom>
+        </p:spPr>
+        <p:style>
+          <a:lnRef idx="2">
+            <a:schemeClr val="accent6"/>
+          </a:lnRef>
+          <a:fillRef idx="1">
+            <a:schemeClr val="lt1"/>
+          </a:fillRef>
+          <a:effectRef idx="0">
+            <a:schemeClr val="accent6"/>
+          </a:effectRef>
+          <a:fontRef idx="minor">
+            <a:schemeClr val="dk1"/>
+          </a:fontRef>
+        </p:style>
+        <p:txBody>
+          <a:bodyPr rtlCol="0" anchor="ctr"/>
+          <a:lstStyle/>
+          <a:p>
+            <a:pPr algn="ctr"/>
+            <a:r>
+              <a:rPr kumimoji="1" lang="en-US" altLang="ja-JP" dirty="0" smtClean="0"/>
+              <a:t>JP</a:t>
+            </a:r>
+            <a:r>
+              <a:rPr kumimoji="1" lang="ja-JP" altLang="en-US" dirty="0" smtClean="0"/>
+              <a:t>の「新品」「中古」のドロップダウンがあります。</a:t>
+            </a:r>
+            <a:endParaRPr kumimoji="1" lang="ja-JP" altLang="en-US" dirty="0"/>
+          </a:p>
+        </p:txBody>
+      </p:sp>
+    </p:spTree>
+    <p:extLst>
+      <p:ext uri="{BB962C8B-B14F-4D97-AF65-F5344CB8AC3E}">
+        <p14:creationId xmlns:p14="http://schemas.microsoft.com/office/powerpoint/2010/main" val="505038947"/>
+      </p:ext>
+    </p:extLst>
+  </p:cSld>
+  <p:clrMapOvr>
+    <a:masterClrMapping/>
+  </p:clrMapOvr>
+</p:sld>
+</file>
+
+<file path=ppt/slides/slide4.xml><?xml version="1.0" encoding="utf-8"?>
+<p:sld xmlns:a="http://schemas.openxmlformats.org/drawingml/2006/main" xmlns:r="http://schemas.openxmlformats.org/officeDocument/2006/relationships" xmlns:p="http://schemas.openxmlformats.org/presentationml/2006/main">
+  <p:cSld>
+    <p:spTree>
+      <p:nvGrpSpPr>
+        <p:cNvPr id="1" name=""/>
+        <p:cNvGrpSpPr/>
+        <p:nvPr/>
+      </p:nvGrpSpPr>
+      <p:grpSpPr>
+        <a:xfrm>
+          <a:off x="0" y="0"/>
+          <a:ext cx="0" cy="0"/>
+          <a:chOff x="0" y="0"/>
+          <a:chExt cx="0" cy="0"/>
+        </a:xfrm>
+      </p:grpSpPr>
+      <p:sp>
+        <p:nvSpPr>
+          <p:cNvPr id="2" name="タイトル 1"/>
+          <p:cNvSpPr>
+            <a:spLocks noGrp="1"/>
+          </p:cNvSpPr>
+          <p:nvPr>
+            <p:ph type="title"/>
           </p:nvPr>
         </p:nvSpPr>
         <p:spPr/>
@@ -8149,7 +9022,67 @@
           <a:bodyPr/>
           <a:lstStyle/>
           <a:p>
-            <a:endParaRPr kumimoji="1" lang="ja-JP" altLang="en-US"/>
+            <a:r>
+              <a:rPr kumimoji="1" lang="ja-JP" altLang="en-US" dirty="0" smtClean="0"/>
+              <a:t>必要な収集データ</a:t>
+            </a:r>
+            <a:endParaRPr kumimoji="1" lang="ja-JP" altLang="en-US" dirty="0"/>
+          </a:p>
+        </p:txBody>
+      </p:sp>
+      <p:sp>
+        <p:nvSpPr>
+          <p:cNvPr id="3" name="コンテンツ プレースホルダー 2"/>
+          <p:cNvSpPr>
+            <a:spLocks noGrp="1"/>
+          </p:cNvSpPr>
+          <p:nvPr>
+            <p:ph idx="1"/>
+          </p:nvPr>
+        </p:nvSpPr>
+        <p:spPr/>
+        <p:txBody>
+          <a:bodyPr/>
+          <a:lstStyle/>
+          <a:p>
+            <a:r>
+              <a:rPr lang="ja-JP" altLang="en-US" dirty="0" smtClean="0"/>
+              <a:t>「最安価格の平均」</a:t>
+            </a:r>
+            <a:endParaRPr lang="en-US" altLang="ja-JP" dirty="0" smtClean="0"/>
+          </a:p>
+          <a:p>
+            <a:r>
+              <a:rPr lang="ja-JP" altLang="en-US" dirty="0"/>
+              <a:t>１日</a:t>
+            </a:r>
+            <a:r>
+              <a:rPr lang="en-US" altLang="ja-JP" dirty="0"/>
+              <a:t>1</a:t>
+            </a:r>
+            <a:r>
+              <a:rPr lang="ja-JP" altLang="en-US" dirty="0" smtClean="0"/>
+              <a:t>回最安価格を取得。過去</a:t>
+            </a:r>
+            <a:r>
+              <a:rPr lang="en-US" altLang="ja-JP" dirty="0" smtClean="0"/>
+              <a:t>60</a:t>
+            </a:r>
+            <a:r>
+              <a:rPr lang="ja-JP" altLang="en-US" dirty="0" smtClean="0"/>
+              <a:t>日分保存。新品・中古（ほぼ新品・非常に良い）それぞれ。</a:t>
+            </a:r>
+            <a:endParaRPr lang="en-US" altLang="ja-JP" dirty="0" smtClean="0"/>
+          </a:p>
+          <a:p>
+            <a:r>
+              <a:rPr lang="ja-JP" altLang="en-US" dirty="0" smtClean="0"/>
+              <a:t>「ランキング上昇」</a:t>
+            </a:r>
+            <a:endParaRPr lang="en-US" altLang="ja-JP" dirty="0" smtClean="0"/>
+          </a:p>
+          <a:p>
+            <a:endParaRPr lang="en-US" altLang="ja-JP" dirty="0" smtClean="0"/>
           </a:p>
         </p:txBody>
       </p:sp>
@@ -8407,4 +9340,265 @@
     </a:ext>
   </a:extLst>
 </a:theme>
+</file>
+
+<file path=ppt/theme/theme2.xml><?xml version="1.0" encoding="utf-8"?>
+<a:theme xmlns:a="http://schemas.openxmlformats.org/drawingml/2006/main" name="ホワイト">
+  <a:themeElements>
+    <a:clrScheme name="Office">
+      <a:dk1>
+        <a:sysClr val="windowText" lastClr="000000"/>
+      </a:dk1>
+      <a:lt1>
+        <a:sysClr val="window" lastClr="FFFFFF"/>
+      </a:lt1>
+      <a:dk2>
+        <a:srgbClr val="44546A"/>
+      </a:dk2>
+      <a:lt2>
+        <a:srgbClr val="E7E6E6"/>
+      </a:lt2>
+      <a:accent1>
+        <a:srgbClr val="4472C4"/>
+      </a:accent1>
+      <a:accent2>
+        <a:srgbClr val="ED7D31"/>
+      </a:accent2>
+      <a:accent3>
+        <a:srgbClr val="A5A5A5"/>
+      </a:accent3>
+      <a:accent4>
+        <a:srgbClr val="FFC000"/>
+      </a:accent4>
+      <a:accent5>
+        <a:srgbClr val="5B9BD5"/>
+      </a:accent5>
+      <a:accent6>
+        <a:srgbClr val="70AD47"/>
+      </a:accent6>
+      <a:hlink>
+        <a:srgbClr val="0563C1"/>
+      </a:hlink>
+      <a:folHlink>
+        <a:srgbClr val="954F72"/>
+      </a:folHlink>
+    </a:clrScheme>
+    <a:fontScheme name="Office">
+      <a:majorFont>
+        <a:latin typeface="Yu Gothic Light" panose="020F0302020204030204"/>
+        <a:ea typeface=""/>
+        <a:cs typeface=""/>
+        <a:font script="Jpan" typeface="Yu Gothic Light"/>
+        <a:font script="Hang" typeface="맑은 고딕"/>
+        <a:font script="Hans" typeface="DengXian Light"/>
+        <a:font script="Hant" typeface="新細明體"/>
+        <a:font script="Arab" typeface="Times New Roman"/>
+        <a:font script="Hebr" typeface="Times New Roman"/>
+        <a:font script="Thai" typeface="Angsana New"/>
+        <a:font script="Ethi" typeface="Nyala"/>
+        <a:font script="Beng" typeface="Vrinda"/>
+        <a:font script="Gujr" typeface="Shruti"/>
+        <a:font script="Khmr" typeface="MoolBoran"/>
+        <a:font script="Knda" typeface="Tunga"/>
+        <a:font script="Guru" typeface="Raavi"/>
+        <a:font script="Cans" typeface="Euphemia"/>
+        <a:font script="Cher" typeface="Plantagenet Cherokee"/>
+        <a:font script="Yiii" typeface="Microsoft Yi Baiti"/>
+        <a:font script="Tibt" typeface="Microsoft Himalaya"/>
+        <a:font script="Thaa" typeface="MV Boli"/>
+        <a:font script="Deva" typeface="Mangal"/>
+        <a:font script="Telu" typeface="Gautami"/>
+        <a:font script="Taml" typeface="Latha"/>
+        <a:font script="Syrc" typeface="Estrangelo Edessa"/>
+        <a:font script="Orya" typeface="Kalinga"/>
+        <a:font script="Mlym" typeface="Kartika"/>
+        <a:font script="Laoo" typeface="DokChampa"/>
+        <a:font script="Sinh" typeface="Iskoola Pota"/>
+        <a:font script="Mong" typeface="Mongolian Baiti"/>
+        <a:font script="Viet" typeface="Times New Roman"/>
+        <a:font script="Uigh" typeface="Microsoft Uighur"/>
+        <a:font script="Geor" typeface="Sylfaen"/>
+      </a:majorFont>
+      <a:minorFont>
+        <a:latin typeface="Yu Gothic" panose="020F0502020204030204"/>
+        <a:ea typeface=""/>
+        <a:cs typeface=""/>
+        <a:font script="Jpan" typeface="Yu Gothic"/>
+        <a:font script="Hang" typeface="맑은 고딕"/>
+        <a:font script="Hans" typeface="DengXian"/>
+        <a:font script="Hant" typeface="新細明體"/>
+        <a:font script="Arab" typeface="Arial"/>
+        <a:font script="Hebr" typeface="Arial"/>
+        <a:font script="Thai" typeface="Cordia New"/>
+        <a:font script="Ethi" typeface="Nyala"/>
+        <a:font script="Beng" typeface="Vrinda"/>
+        <a:font script="Gujr" typeface="Shruti"/>
+        <a:font script="Khmr" typeface="DaunPenh"/>
+        <a:font script="Knda" typeface="Tunga"/>
+        <a:font script="Guru" typeface="Raavi"/>
+        <a:font script="Cans" typeface="Euphemia"/>
+        <a:font script="Cher" typeface="Plantagenet Cherokee"/>
+        <a:font script="Yiii" typeface="Microsoft Yi Baiti"/>
+        <a:font script="Tibt" typeface="Microsoft Himalaya"/>
+        <a:font script="Thaa" typeface="MV Boli"/>
+        <a:font script="Deva" typeface="Mangal"/>
+        <a:font script="Telu" typeface="Gautami"/>
+        <a:font script="Taml" typeface="Latha"/>
+        <a:font script="Syrc" typeface="Estrangelo Edessa"/>
+        <a:font script="Orya" typeface="Kalinga"/>
+        <a:font script="Mlym" typeface="Kartika"/>
+        <a:font script="Laoo" typeface="DokChampa"/>
+        <a:font script="Sinh" typeface="Iskoola Pota"/>
+        <a:font script="Mong" typeface="Mongolian Baiti"/>
+        <a:font script="Viet" typeface="Arial"/>
+        <a:font script="Uigh" typeface="Microsoft Uighur"/>
+        <a:font script="Geor" typeface="Sylfaen"/>
+      </a:minorFont>
+    </a:fontScheme>
+    <a:fmtScheme name="Office">
+      <a:fillStyleLst>
+        <a:solidFill>
+          <a:schemeClr val="phClr"/>
+        </a:solidFill>
+        <a:gradFill rotWithShape="1">
+          <a:gsLst>
+            <a:gs pos="0">
+              <a:schemeClr val="phClr">
+                <a:lumMod val="110000"/>
+                <a:satMod val="105000"/>
+                <a:tint val="67000"/>
+              </a:schemeClr>
+            </a:gs>
+            <a:gs pos="50000">
+              <a:schemeClr val="phClr">
+                <a:lumMod val="105000"/>
+                <a:satMod val="103000"/>
+                <a:tint val="73000"/>
+              </a:schemeClr>
+            </a:gs>
+            <a:gs pos="100000">
+              <a:schemeClr val="phClr">
+                <a:lumMod val="105000"/>
+                <a:satMod val="109000"/>
+                <a:tint val="81000"/>
+              </a:schemeClr>
+            </a:gs>
+          </a:gsLst>
+          <a:lin ang="5400000" scaled="0"/>
+        </a:gradFill>
+        <a:gradFill rotWithShape="1">
+          <a:gsLst>
+            <a:gs pos="0">
+              <a:schemeClr val="phClr">
+                <a:satMod val="103000"/>
+                <a:lumMod val="102000"/>
+                <a:tint val="94000"/>
+              </a:schemeClr>
+            </a:gs>
+            <a:gs pos="50000">
+              <a:schemeClr val="phClr">
+                <a:satMod val="110000"/>
+                <a:lumMod val="100000"/>
+                <a:shade val="100000"/>
+              </a:schemeClr>
+            </a:gs>
+            <a:gs pos="100000">
+              <a:schemeClr val="phClr">
+                <a:lumMod val="99000"/>
+                <a:satMod val="120000"/>
+                <a:shade val="78000"/>
+              </a:schemeClr>
+            </a:gs>
+          </a:gsLst>
+          <a:lin ang="5400000" scaled="0"/>
+        </a:gradFill>
+      </a:fillStyleLst>
+      <a:lnStyleLst>
+        <a:ln w="6350" cap="flat" cmpd="sng" algn="ctr">
+          <a:solidFill>
+            <a:schemeClr val="phClr"/>
+          </a:solidFill>
+          <a:prstDash val="solid"/>
+          <a:miter lim="800000"/>
+        </a:ln>
+        <a:ln w="12700" cap="flat" cmpd="sng" algn="ctr">
+          <a:solidFill>
+            <a:schemeClr val="phClr"/>
+          </a:solidFill>
+          <a:prstDash val="solid"/>
+          <a:miter lim="800000"/>
+        </a:ln>
+        <a:ln w="19050" cap="flat" cmpd="sng" algn="ctr">
+          <a:solidFill>
+            <a:schemeClr val="phClr"/>
+          </a:solidFill>
+          <a:prstDash val="solid"/>
+          <a:miter lim="800000"/>
+        </a:ln>
+      </a:lnStyleLst>
+      <a:effectStyleLst>
+        <a:effectStyle>
+          <a:effectLst/>
+        </a:effectStyle>
+        <a:effectStyle>
+          <a:effectLst/>
+        </a:effectStyle>
+        <a:effectStyle>
+          <a:effectLst>
+            <a:outerShdw blurRad="57150" dist="19050" dir="5400000" algn="ctr" rotWithShape="0">
+              <a:srgbClr val="000000">
+                <a:alpha val="63000"/>
+              </a:srgbClr>
+            </a:outerShdw>
+          </a:effectLst>
+        </a:effectStyle>
+      </a:effectStyleLst>
+      <a:bgFillStyleLst>
+        <a:solidFill>
+          <a:schemeClr val="phClr"/>
+        </a:solidFill>
+        <a:solidFill>
+          <a:schemeClr val="phClr">
+            <a:tint val="95000"/>
+            <a:satMod val="170000"/>
+          </a:schemeClr>
+        </a:solidFill>
+        <a:gradFill rotWithShape="1">
+          <a:gsLst>
+            <a:gs pos="0">
+              <a:schemeClr val="phClr">
+                <a:tint val="93000"/>
+                <a:satMod val="150000"/>
+                <a:shade val="98000"/>
+                <a:lumMod val="102000"/>
+              </a:schemeClr>
+            </a:gs>
+            <a:gs pos="50000">
+              <a:schemeClr val="phClr">
+                <a:tint val="98000"/>
+                <a:satMod val="130000"/>
+                <a:shade val="90000"/>
+                <a:lumMod val="103000"/>
+              </a:schemeClr>
+            </a:gs>
+            <a:gs pos="100000">
+              <a:schemeClr val="phClr">
+                <a:shade val="63000"/>
+                <a:satMod val="120000"/>
+              </a:schemeClr>
+            </a:gs>
+          </a:gsLst>
+          <a:lin ang="5400000" scaled="0"/>
+        </a:gradFill>
+      </a:bgFillStyleLst>
+    </a:fmtScheme>
+  </a:themeElements>
+  <a:objectDefaults/>
+  <a:extraClrSchemeLst/>
+  <a:extLst>
+    <a:ext uri="{05A4C25C-085E-4340-85A3-A5531E510DB2}">
+      <thm15:themeFamily xmlns:thm15="http://schemas.microsoft.com/office/thememl/2012/main" name="Office Theme" id="{62F939B6-93AF-4DB8-9C6B-D6C7DFDC589F}" vid="{4A3C46E8-61CC-4603-A589-7422A47A8E4A}"/>
+    </a:ext>
+  </a:extLst>
+</a:theme>
 </file>